--- a/Semester 2/Applied Cyber Security/Lecture/L6.pptx
+++ b/Semester 2/Applied Cyber Security/Lecture/L6.pptx
@@ -241,7 +241,7 @@
           <a:p>
             <a:fld id="{CE2AC210-0001-4F23-B7CF-7E30FF91C0C6}" type="datetimeFigureOut">
               <a:rPr lang="en-US" smtClean="0"/>
-              <a:t>5/18/2025</a:t>
+              <a:t>6/17/2025</a:t>
             </a:fld>
             <a:endParaRPr lang="en-US"/>
           </a:p>
@@ -655,7 +655,7 @@
           <a:p>
             <a:fld id="{F885A735-6200-44B2-903C-FB6D7D24E06E}" type="datetime1">
               <a:rPr lang="en-US" smtClean="0"/>
-              <a:t>5/18/2025</a:t>
+              <a:t>6/17/2025</a:t>
             </a:fld>
             <a:endParaRPr lang="en-US"/>
           </a:p>
@@ -853,7 +853,7 @@
           <a:p>
             <a:fld id="{F40FE37C-D2AA-4F25-8AFD-6B87ED3EF931}" type="datetime1">
               <a:rPr lang="en-US" smtClean="0"/>
-              <a:t>5/18/2025</a:t>
+              <a:t>6/17/2025</a:t>
             </a:fld>
             <a:endParaRPr lang="en-US"/>
           </a:p>
@@ -1061,7 +1061,7 @@
           <a:p>
             <a:fld id="{2F104043-05D2-4122-BA3C-A667C965A7E1}" type="datetime1">
               <a:rPr lang="en-US" smtClean="0"/>
-              <a:t>5/18/2025</a:t>
+              <a:t>6/17/2025</a:t>
             </a:fld>
             <a:endParaRPr lang="en-US"/>
           </a:p>
@@ -1259,7 +1259,7 @@
           <a:p>
             <a:fld id="{5F559CA3-2C3D-48E5-A8AE-C6BA14AB428E}" type="datetime1">
               <a:rPr lang="en-US" smtClean="0"/>
-              <a:t>5/18/2025</a:t>
+              <a:t>6/17/2025</a:t>
             </a:fld>
             <a:endParaRPr lang="en-US"/>
           </a:p>
@@ -1534,7 +1534,7 @@
           <a:p>
             <a:fld id="{A99FB00C-774C-41A3-88A3-BB65A27C28DB}" type="datetime1">
               <a:rPr lang="en-US" smtClean="0"/>
-              <a:t>5/18/2025</a:t>
+              <a:t>6/17/2025</a:t>
             </a:fld>
             <a:endParaRPr lang="en-US"/>
           </a:p>
@@ -1799,7 +1799,7 @@
           <a:p>
             <a:fld id="{4FA190E2-E068-43AA-A9AE-55B449A27C6D}" type="datetime1">
               <a:rPr lang="en-US" smtClean="0"/>
-              <a:t>5/18/2025</a:t>
+              <a:t>6/17/2025</a:t>
             </a:fld>
             <a:endParaRPr lang="en-US"/>
           </a:p>
@@ -2211,7 +2211,7 @@
           <a:p>
             <a:fld id="{34D4935A-7630-4902-A892-687609137586}" type="datetime1">
               <a:rPr lang="en-US" smtClean="0"/>
-              <a:t>5/18/2025</a:t>
+              <a:t>6/17/2025</a:t>
             </a:fld>
             <a:endParaRPr lang="en-US"/>
           </a:p>
@@ -2352,7 +2352,7 @@
           <a:p>
             <a:fld id="{91CE4CBE-D2C2-4366-94CB-57B6A96E91ED}" type="datetime1">
               <a:rPr lang="en-US" smtClean="0"/>
-              <a:t>5/18/2025</a:t>
+              <a:t>6/17/2025</a:t>
             </a:fld>
             <a:endParaRPr lang="en-US"/>
           </a:p>
@@ -2465,7 +2465,7 @@
           <a:p>
             <a:fld id="{25501845-A4C3-42EA-A68A-0A5763E1F807}" type="datetime1">
               <a:rPr lang="en-US" smtClean="0"/>
-              <a:t>5/18/2025</a:t>
+              <a:t>6/17/2025</a:t>
             </a:fld>
             <a:endParaRPr lang="en-US"/>
           </a:p>
@@ -2776,7 +2776,7 @@
           <a:p>
             <a:fld id="{035CE88B-6DC4-4011-9A8D-FF4EE4FE0866}" type="datetime1">
               <a:rPr lang="en-US" smtClean="0"/>
-              <a:t>5/18/2025</a:t>
+              <a:t>6/17/2025</a:t>
             </a:fld>
             <a:endParaRPr lang="en-US"/>
           </a:p>
@@ -3064,7 +3064,7 @@
           <a:p>
             <a:fld id="{E92E90AB-5BD8-4F8D-81BE-7B01DF032DD3}" type="datetime1">
               <a:rPr lang="en-US" smtClean="0"/>
-              <a:t>5/18/2025</a:t>
+              <a:t>6/17/2025</a:t>
             </a:fld>
             <a:endParaRPr lang="en-US"/>
           </a:p>
@@ -3305,7 +3305,7 @@
           <a:p>
             <a:fld id="{62F208B5-C9F4-408D-82BE-53FD0D4DE2F7}" type="datetime1">
               <a:rPr lang="en-US" smtClean="0"/>
-              <a:t>5/18/2025</a:t>
+              <a:t>6/17/2025</a:t>
             </a:fld>
             <a:endParaRPr lang="en-US"/>
           </a:p>
@@ -8593,31 +8593,6 @@
           <a:chExt cx="0" cy="0"/>
         </a:xfrm>
       </p:grpSpPr>
-      <p:sp>
-        <p:nvSpPr>
-          <p:cNvPr id="2" name="Title 1">
-            <a:extLst>
-              <a:ext uri="{FF2B5EF4-FFF2-40B4-BE49-F238E27FC236}">
-                <a16:creationId xmlns:a16="http://schemas.microsoft.com/office/drawing/2014/main" id="{E676B325-571A-90D8-5504-F7EC6399EB49}"/>
-              </a:ext>
-            </a:extLst>
-          </p:cNvPr>
-          <p:cNvSpPr>
-            <a:spLocks noGrp="1"/>
-          </p:cNvSpPr>
-          <p:nvPr>
-            <p:ph type="title"/>
-          </p:nvPr>
-        </p:nvSpPr>
-        <p:spPr/>
-        <p:txBody>
-          <a:bodyPr/>
-          <a:lstStyle/>
-          <a:p>
-            <a:endParaRPr lang="en-US"/>
-          </a:p>
-        </p:txBody>
-      </p:sp>
       <p:pic>
         <p:nvPicPr>
           <p:cNvPr id="9" name="Content Placeholder 8">
@@ -13473,31 +13448,6 @@
           <a:chExt cx="0" cy="0"/>
         </a:xfrm>
       </p:grpSpPr>
-      <p:sp>
-        <p:nvSpPr>
-          <p:cNvPr id="2" name="Title 1">
-            <a:extLst>
-              <a:ext uri="{FF2B5EF4-FFF2-40B4-BE49-F238E27FC236}">
-                <a16:creationId xmlns:a16="http://schemas.microsoft.com/office/drawing/2014/main" id="{5F6743DF-44D3-FEAF-3B44-77800B76399F}"/>
-              </a:ext>
-            </a:extLst>
-          </p:cNvPr>
-          <p:cNvSpPr>
-            <a:spLocks noGrp="1"/>
-          </p:cNvSpPr>
-          <p:nvPr>
-            <p:ph type="title"/>
-          </p:nvPr>
-        </p:nvSpPr>
-        <p:spPr/>
-        <p:txBody>
-          <a:bodyPr/>
-          <a:lstStyle/>
-          <a:p>
-            <a:endParaRPr lang="en-US"/>
-          </a:p>
-        </p:txBody>
-      </p:sp>
       <p:sp>
         <p:nvSpPr>
           <p:cNvPr id="3" name="Content Placeholder 2">
@@ -20059,31 +20009,6 @@
       </p:grpSpPr>
       <p:sp>
         <p:nvSpPr>
-          <p:cNvPr id="2" name="Title 1">
-            <a:extLst>
-              <a:ext uri="{FF2B5EF4-FFF2-40B4-BE49-F238E27FC236}">
-                <a16:creationId xmlns:a16="http://schemas.microsoft.com/office/drawing/2014/main" id="{6CE7AE48-72E3-3D96-7461-DD95FBE085D6}"/>
-              </a:ext>
-            </a:extLst>
-          </p:cNvPr>
-          <p:cNvSpPr>
-            <a:spLocks noGrp="1"/>
-          </p:cNvSpPr>
-          <p:nvPr>
-            <p:ph type="title"/>
-          </p:nvPr>
-        </p:nvSpPr>
-        <p:spPr/>
-        <p:txBody>
-          <a:bodyPr/>
-          <a:lstStyle/>
-          <a:p>
-            <a:endParaRPr lang="en-US"/>
-          </a:p>
-        </p:txBody>
-      </p:sp>
-      <p:sp>
-        <p:nvSpPr>
           <p:cNvPr id="3" name="Content Placeholder 2">
             <a:extLst>
               <a:ext uri="{FF2B5EF4-FFF2-40B4-BE49-F238E27FC236}">
@@ -20098,16 +20023,23 @@
             <p:ph idx="1"/>
           </p:nvPr>
         </p:nvSpPr>
-        <p:spPr/>
+        <p:spPr>
+          <a:xfrm>
+            <a:off x="473725" y="451692"/>
+            <a:ext cx="11193138" cy="5725271"/>
+          </a:xfrm>
+        </p:spPr>
         <p:txBody>
-          <a:bodyPr/>
+          <a:bodyPr>
+            <a:normAutofit lnSpcReduction="10000"/>
+          </a:bodyPr>
           <a:lstStyle/>
           <a:p>
-            <a:pPr marL="0" indent="0" algn="l">
+            <a:pPr marL="0" indent="0" algn="just">
               <a:buNone/>
             </a:pPr>
             <a:r>
-              <a:rPr lang="en-US" sz="1800" b="0" i="0" u="none" strike="noStrike" baseline="0" dirty="0">
+              <a:rPr lang="en-US" b="0" i="0" u="none" strike="noStrike" baseline="0" dirty="0">
                 <a:solidFill>
                   <a:srgbClr val="000000"/>
                 </a:solidFill>
@@ -20117,9 +20049,9 @@
             </a:r>
           </a:p>
           <a:p>
-            <a:pPr algn="l"/>
-            <a:r>
-              <a:rPr lang="en-US" sz="1800" b="1" i="0" u="none" strike="noStrike" baseline="0" dirty="0">
+            <a:pPr algn="just"/>
+            <a:r>
+              <a:rPr lang="en-US" b="1" i="0" u="none" strike="noStrike" baseline="0" dirty="0">
                 <a:solidFill>
                   <a:srgbClr val="000000"/>
                 </a:solidFill>
@@ -20128,7 +20060,7 @@
               <a:t>Mitigate the risk (mitigation) </a:t>
             </a:r>
             <a:r>
-              <a:rPr lang="en-US" sz="1800" b="0" i="0" u="none" strike="noStrike" baseline="0" dirty="0">
+              <a:rPr lang="en-US" b="0" i="0" u="none" strike="noStrike" baseline="0" dirty="0">
                 <a:solidFill>
                   <a:srgbClr val="000000"/>
                 </a:solidFill>
@@ -20138,9 +20070,9 @@
             </a:r>
           </a:p>
           <a:p>
-            <a:pPr algn="l"/>
-            <a:r>
-              <a:rPr lang="en-US" sz="1800" b="0" i="0" u="none" strike="noStrike" baseline="0" dirty="0">
+            <a:pPr algn="just"/>
+            <a:r>
+              <a:rPr lang="en-US" b="0" i="0" u="none" strike="noStrike" baseline="0" dirty="0">
                 <a:solidFill>
                   <a:srgbClr val="666666"/>
                 </a:solidFill>
@@ -20149,7 +20081,7 @@
               <a:t> </a:t>
             </a:r>
             <a:r>
-              <a:rPr lang="en-US" sz="1800" b="1" i="0" u="none" strike="noStrike" baseline="0" dirty="0">
+              <a:rPr lang="en-US" b="1" i="0" u="none" strike="noStrike" baseline="0" dirty="0">
                 <a:solidFill>
                   <a:srgbClr val="000000"/>
                 </a:solidFill>
@@ -20158,7 +20090,7 @@
               <a:t>Accept the risk (acceptance) </a:t>
             </a:r>
             <a:r>
-              <a:rPr lang="en-US" sz="1800" b="0" i="0" u="none" strike="noStrike" baseline="0" dirty="0">
+              <a:rPr lang="en-US" b="0" i="0" u="none" strike="noStrike" baseline="0" dirty="0">
                 <a:solidFill>
                   <a:srgbClr val="000000"/>
                 </a:solidFill>
@@ -20168,20 +20100,20 @@
             </a:r>
           </a:p>
           <a:p>
-            <a:pPr algn="l"/>
-            <a:r>
-              <a:rPr lang="en-US" sz="1800" b="1" i="0" u="none" strike="noStrike" baseline="0" dirty="0">
+            <a:pPr algn="just"/>
+            <a:r>
+              <a:rPr lang="en-US" b="1" i="0" u="none" strike="noStrike" baseline="0" dirty="0">
                 <a:latin typeface="WarnockPro-Bold"/>
               </a:rPr>
               <a:t>Transfer the risk (transference) </a:t>
             </a:r>
             <a:r>
-              <a:rPr lang="en-US" sz="1800" b="0" i="0" u="none" strike="noStrike" baseline="0" dirty="0">
+              <a:rPr lang="en-US" b="0" i="0" u="none" strike="noStrike" baseline="0" dirty="0">
                 <a:latin typeface="WarnockPro-Regular"/>
               </a:rPr>
               <a:t>You can also look at transferring the risk, which means you make the threat somebody else’s problem! For example, you may get insurance that helps you recover from the security incident. It should be noted that for the exam, remember that an example of transferring risk is to obtain cybersecurity insurance.</a:t>
             </a:r>
-            <a:endParaRPr lang="en-US" dirty="0"/>
+            <a:endParaRPr lang="en-US" sz="4000" dirty="0"/>
           </a:p>
         </p:txBody>
       </p:sp>
@@ -20246,31 +20178,6 @@
       </p:grpSpPr>
       <p:sp>
         <p:nvSpPr>
-          <p:cNvPr id="2" name="Title 1">
-            <a:extLst>
-              <a:ext uri="{FF2B5EF4-FFF2-40B4-BE49-F238E27FC236}">
-                <a16:creationId xmlns:a16="http://schemas.microsoft.com/office/drawing/2014/main" id="{30C44BD5-9968-3CDC-40E1-AB95CA3E34A3}"/>
-              </a:ext>
-            </a:extLst>
-          </p:cNvPr>
-          <p:cNvSpPr>
-            <a:spLocks noGrp="1"/>
-          </p:cNvSpPr>
-          <p:nvPr>
-            <p:ph type="title"/>
-          </p:nvPr>
-        </p:nvSpPr>
-        <p:spPr/>
-        <p:txBody>
-          <a:bodyPr/>
-          <a:lstStyle/>
-          <a:p>
-            <a:endParaRPr lang="en-US"/>
-          </a:p>
-        </p:txBody>
-      </p:sp>
-      <p:sp>
-        <p:nvSpPr>
           <p:cNvPr id="3" name="Content Placeholder 2">
             <a:extLst>
               <a:ext uri="{FF2B5EF4-FFF2-40B4-BE49-F238E27FC236}">
@@ -20285,28 +20192,33 @@
             <p:ph idx="1"/>
           </p:nvPr>
         </p:nvSpPr>
-        <p:spPr/>
+        <p:spPr>
+          <a:xfrm>
+            <a:off x="606846" y="503600"/>
+            <a:ext cx="11004932" cy="5852749"/>
+          </a:xfrm>
+        </p:spPr>
         <p:txBody>
           <a:bodyPr>
-            <a:normAutofit/>
+            <a:normAutofit fontScale="92500"/>
           </a:bodyPr>
           <a:lstStyle/>
           <a:p>
-            <a:pPr algn="l"/>
-            <a:r>
-              <a:rPr lang="en-US" sz="1800" b="1" i="0" u="none" strike="noStrike" baseline="0" dirty="0">
+            <a:pPr algn="just"/>
+            <a:r>
+              <a:rPr lang="en-US" sz="2400" b="1" i="0" u="none" strike="noStrike" baseline="0" dirty="0">
                 <a:latin typeface="WarnockPro-Bold"/>
               </a:rPr>
               <a:t>Avoid the risk (risk avoidance) </a:t>
             </a:r>
             <a:r>
-              <a:rPr lang="en-US" sz="1800" b="0" i="0" u="none" strike="noStrike" baseline="0" dirty="0">
+              <a:rPr lang="en-US" sz="2400" b="0" i="0" u="none" strike="noStrike" baseline="0" dirty="0">
                 <a:latin typeface="WarnockPro-Regular"/>
               </a:rPr>
               <a:t>Risk avoidance is the idea that whatever the activity is that puts you at risk, you decide not to perform that activity any more in order to avoid the risk. For example, you may be concerned that connecting highly sensitive systems to the main network, which is connected to the Internet, runs the risk of the sensitive systems being compromised. In this example, you could have the highly sensitive systems on an isolated network that is air gapped from your main network to avoid network or Internet-based attacks. </a:t>
             </a:r>
             <a:r>
-              <a:rPr lang="en-US" sz="1800" b="0" i="0" u="none" strike="noStrike" baseline="0" dirty="0">
+              <a:rPr lang="en-US" sz="2400" b="0" i="0" u="none" strike="noStrike" baseline="0" dirty="0">
                 <a:solidFill>
                   <a:schemeClr val="accent1">
                     <a:lumMod val="60000"/>
@@ -20318,7 +20230,7 @@
               <a:t>An </a:t>
             </a:r>
             <a:r>
-              <a:rPr lang="en-US" sz="1800" b="1" i="1" u="none" strike="noStrike" baseline="0" dirty="0">
+              <a:rPr lang="en-US" sz="2400" b="1" i="1" u="none" strike="noStrike" baseline="0" dirty="0">
                 <a:solidFill>
                   <a:srgbClr val="FF0000"/>
                 </a:solidFill>
@@ -20327,7 +20239,7 @@
               <a:t>air gap</a:t>
             </a:r>
             <a:r>
-              <a:rPr lang="en-US" sz="1800" b="0" i="1" u="none" strike="noStrike" baseline="0" dirty="0">
+              <a:rPr lang="en-US" sz="2400" b="0" i="1" u="none" strike="noStrike" baseline="0" dirty="0">
                 <a:solidFill>
                   <a:schemeClr val="accent1">
                     <a:lumMod val="60000"/>
@@ -20339,7 +20251,7 @@
               <a:t> </a:t>
             </a:r>
             <a:r>
-              <a:rPr lang="en-US" sz="1800" b="0" i="0" u="none" strike="noStrike" baseline="0" dirty="0">
+              <a:rPr lang="en-US" sz="2400" b="0" i="0" u="none" strike="noStrike" baseline="0" dirty="0">
                 <a:solidFill>
                   <a:schemeClr val="accent1">
                     <a:lumMod val="60000"/>
@@ -20352,59 +20264,59 @@
             </a:r>
           </a:p>
           <a:p>
-            <a:pPr algn="l"/>
-            <a:r>
-              <a:rPr lang="en-US" sz="1800" b="1" i="0" u="none" strike="noStrike" baseline="0" dirty="0">
+            <a:pPr algn="just"/>
+            <a:r>
+              <a:rPr lang="en-US" sz="2400" b="1" i="0" u="none" strike="noStrike" baseline="0" dirty="0">
                 <a:latin typeface="WarnockPro-Bold"/>
               </a:rPr>
               <a:t>Deter the risk (deterrence) </a:t>
             </a:r>
             <a:r>
-              <a:rPr lang="en-US" sz="1800" b="0" i="0" u="none" strike="noStrike" baseline="0">
+              <a:rPr lang="en-US" sz="2400" b="0" i="0" u="none" strike="noStrike" baseline="0" dirty="0">
                 <a:latin typeface="WarnockPro-Regular"/>
               </a:rPr>
               <a:t>A not-so-common</a:t>
             </a:r>
             <a:r>
-              <a:rPr lang="en-US" sz="1800">
+              <a:rPr lang="en-US" sz="2400" dirty="0">
                 <a:latin typeface="WarnockPro-Regular"/>
               </a:rPr>
               <a:t> </a:t>
             </a:r>
             <a:r>
-              <a:rPr lang="en-US" sz="1800" b="0" i="0" u="none" strike="noStrike" baseline="0" dirty="0">
+              <a:rPr lang="en-US" sz="2400" b="0" i="0" u="none" strike="noStrike" baseline="0" dirty="0">
                 <a:latin typeface="WarnockPro-Regular"/>
               </a:rPr>
               <a:t>approach to dealing with risk is to deter the risk. An example of deterring a risk is to threaten punishment (typically legal punishment) to anyone who attacks the asset—you are deterring the event from occurring.</a:t>
             </a:r>
           </a:p>
           <a:p>
-            <a:pPr algn="l"/>
-            <a:r>
-              <a:rPr lang="en-US" sz="1800" b="1" i="0" u="none" strike="noStrike" baseline="0" dirty="0">
+            <a:pPr algn="just"/>
+            <a:r>
+              <a:rPr lang="en-US" sz="2400" b="1" i="0" u="none" strike="noStrike" baseline="0" dirty="0">
                 <a:latin typeface="WarnockPro-Bold"/>
               </a:rPr>
               <a:t>Enforce technology security controls </a:t>
             </a:r>
             <a:r>
-              <a:rPr lang="en-US" sz="1800" b="0" i="0" u="none" strike="noStrike" baseline="0" dirty="0">
+              <a:rPr lang="en-US" sz="2400" b="0" i="0" u="none" strike="noStrike" baseline="0" dirty="0">
                 <a:latin typeface="WarnockPro-Regular"/>
               </a:rPr>
               <a:t>The most common method to mitigate risk is to implement security controls such as RAID, high-availability solutions, firewalls, encryption, intrusion detection systems, honeypots, patching, and malicious software protection. Another common security control important to businesses is a </a:t>
             </a:r>
             <a:r>
-              <a:rPr lang="en-US" sz="1800" b="0" i="1" u="none" strike="noStrike" baseline="0" dirty="0">
+              <a:rPr lang="en-US" sz="2400" b="0" i="1" u="none" strike="noStrike" baseline="0" dirty="0">
                 <a:latin typeface="WarnockPro-It"/>
               </a:rPr>
               <a:t>data loss prevention (DLP) </a:t>
             </a:r>
             <a:r>
-              <a:rPr lang="en-US" sz="1800" b="0" i="0" u="none" strike="noStrike" baseline="0" dirty="0">
+              <a:rPr lang="en-US" sz="2400" b="0" i="0" u="none" strike="noStrike" baseline="0" dirty="0">
                 <a:latin typeface="WarnockPro-Regular"/>
               </a:rPr>
               <a:t>solution—typically software that allows the administrator to define rules for information that is considered confidential or sensitive and does not allow the information to be shared or copied.</a:t>
             </a:r>
-            <a:endParaRPr lang="en-US" dirty="0">
+            <a:endParaRPr lang="en-US" sz="3600" dirty="0">
               <a:solidFill>
                 <a:schemeClr val="accent1">
                   <a:lumMod val="60000"/>
@@ -20476,31 +20388,6 @@
       </p:grpSpPr>
       <p:sp>
         <p:nvSpPr>
-          <p:cNvPr id="2" name="Title 1">
-            <a:extLst>
-              <a:ext uri="{FF2B5EF4-FFF2-40B4-BE49-F238E27FC236}">
-                <a16:creationId xmlns:a16="http://schemas.microsoft.com/office/drawing/2014/main" id="{0B2C9313-809E-1DE1-B810-315BFB0AB87A}"/>
-              </a:ext>
-            </a:extLst>
-          </p:cNvPr>
-          <p:cNvSpPr>
-            <a:spLocks noGrp="1"/>
-          </p:cNvSpPr>
-          <p:nvPr>
-            <p:ph type="title"/>
-          </p:nvPr>
-        </p:nvSpPr>
-        <p:spPr/>
-        <p:txBody>
-          <a:bodyPr/>
-          <a:lstStyle/>
-          <a:p>
-            <a:endParaRPr lang="en-US"/>
-          </a:p>
-        </p:txBody>
-      </p:sp>
-      <p:sp>
-        <p:nvSpPr>
           <p:cNvPr id="3" name="Content Placeholder 2">
             <a:extLst>
               <a:ext uri="{FF2B5EF4-FFF2-40B4-BE49-F238E27FC236}">
@@ -20515,16 +20402,21 @@
             <p:ph idx="1"/>
           </p:nvPr>
         </p:nvSpPr>
-        <p:spPr/>
+        <p:spPr>
+          <a:xfrm>
+            <a:off x="540744" y="426482"/>
+            <a:ext cx="11170185" cy="5929867"/>
+          </a:xfrm>
+        </p:spPr>
         <p:txBody>
           <a:bodyPr>
             <a:normAutofit/>
           </a:bodyPr>
           <a:lstStyle/>
           <a:p>
-            <a:pPr algn="l"/>
-            <a:r>
-              <a:rPr lang="en-US" sz="1800" b="1" i="0" u="none" strike="noStrike" baseline="0" dirty="0">
+            <a:pPr algn="just"/>
+            <a:r>
+              <a:rPr lang="en-US" b="1" i="0" u="none" strike="noStrike" baseline="0" dirty="0">
                 <a:solidFill>
                   <a:srgbClr val="000000"/>
                 </a:solidFill>
@@ -20533,7 +20425,7 @@
               <a:t>Change management </a:t>
             </a:r>
             <a:r>
-              <a:rPr lang="en-US" sz="1800" b="0" i="0" u="none" strike="noStrike" baseline="0" dirty="0">
+              <a:rPr lang="en-US" b="0" i="0" u="none" strike="noStrike" baseline="0" dirty="0">
                 <a:solidFill>
                   <a:srgbClr val="000000"/>
                 </a:solidFill>
@@ -20543,9 +20435,9 @@
             </a:r>
           </a:p>
           <a:p>
-            <a:pPr algn="l"/>
-            <a:r>
-              <a:rPr lang="en-US" sz="1800" b="1" i="0" u="none" strike="noStrike" baseline="0" dirty="0">
+            <a:pPr algn="just"/>
+            <a:r>
+              <a:rPr lang="en-US" b="1" i="0" u="none" strike="noStrike" baseline="0" dirty="0">
                 <a:solidFill>
                   <a:srgbClr val="000000"/>
                 </a:solidFill>
@@ -20554,7 +20446,7 @@
               <a:t>Incident management </a:t>
             </a:r>
             <a:r>
-              <a:rPr lang="en-US" sz="1800" b="0" i="0" u="none" strike="noStrike" baseline="0" dirty="0">
+              <a:rPr lang="en-US" b="0" i="0" u="none" strike="noStrike" baseline="0" dirty="0">
                 <a:solidFill>
                   <a:srgbClr val="000000"/>
                 </a:solidFill>
@@ -20564,9 +20456,9 @@
             </a:r>
           </a:p>
           <a:p>
-            <a:pPr algn="l"/>
-            <a:r>
-              <a:rPr lang="en-US" sz="1800" b="1" i="0" u="none" strike="noStrike" baseline="0" dirty="0">
+            <a:pPr algn="just"/>
+            <a:r>
+              <a:rPr lang="en-US" b="1" i="0" u="none" strike="noStrike" baseline="0" dirty="0">
                 <a:solidFill>
                   <a:srgbClr val="000000"/>
                 </a:solidFill>
@@ -20575,7 +20467,7 @@
               <a:t>User rights and permissions reviews </a:t>
             </a:r>
             <a:r>
-              <a:rPr lang="en-US" sz="1800" b="0" i="0" u="none" strike="noStrike" baseline="0" dirty="0">
+              <a:rPr lang="en-US" b="0" i="0" u="none" strike="noStrike" baseline="0" dirty="0">
                 <a:solidFill>
                   <a:srgbClr val="000000"/>
                 </a:solidFill>
@@ -20647,31 +20539,6 @@
       </p:grpSpPr>
       <p:sp>
         <p:nvSpPr>
-          <p:cNvPr id="2" name="Title 1">
-            <a:extLst>
-              <a:ext uri="{FF2B5EF4-FFF2-40B4-BE49-F238E27FC236}">
-                <a16:creationId xmlns:a16="http://schemas.microsoft.com/office/drawing/2014/main" id="{BF9D1436-FD9E-4B08-5EC9-27087FDC7FCF}"/>
-              </a:ext>
-            </a:extLst>
-          </p:cNvPr>
-          <p:cNvSpPr>
-            <a:spLocks noGrp="1"/>
-          </p:cNvSpPr>
-          <p:nvPr>
-            <p:ph type="title"/>
-          </p:nvPr>
-        </p:nvSpPr>
-        <p:spPr/>
-        <p:txBody>
-          <a:bodyPr/>
-          <a:lstStyle/>
-          <a:p>
-            <a:endParaRPr lang="en-US"/>
-          </a:p>
-        </p:txBody>
-      </p:sp>
-      <p:sp>
-        <p:nvSpPr>
           <p:cNvPr id="3" name="Content Placeholder 2">
             <a:extLst>
               <a:ext uri="{FF2B5EF4-FFF2-40B4-BE49-F238E27FC236}">
@@ -20686,16 +20553,21 @@
             <p:ph idx="1"/>
           </p:nvPr>
         </p:nvSpPr>
-        <p:spPr/>
+        <p:spPr>
+          <a:xfrm>
+            <a:off x="463627" y="547668"/>
+            <a:ext cx="11181202" cy="5808681"/>
+          </a:xfrm>
+        </p:spPr>
         <p:txBody>
           <a:bodyPr>
             <a:normAutofit/>
           </a:bodyPr>
           <a:lstStyle/>
           <a:p>
-            <a:pPr algn="l"/>
-            <a:r>
-              <a:rPr lang="en-US" sz="2800" b="1" i="0" u="none" strike="noStrike" baseline="0" dirty="0">
+            <a:pPr algn="just"/>
+            <a:r>
+              <a:rPr lang="en-US" sz="3600" b="1" i="0" u="none" strike="noStrike" baseline="0" dirty="0">
                 <a:solidFill>
                   <a:srgbClr val="000000"/>
                 </a:solidFill>
@@ -20704,7 +20576,7 @@
               <a:t>Perform routine audits :</a:t>
             </a:r>
             <a:r>
-              <a:rPr lang="en-US" sz="2400" b="0" i="0" u="none" strike="noStrike" baseline="0" dirty="0">
+              <a:rPr lang="en-US" sz="3200" b="0" i="0" u="none" strike="noStrike" baseline="0" dirty="0">
                 <a:solidFill>
                   <a:srgbClr val="000000"/>
                 </a:solidFill>
@@ -20714,9 +20586,9 @@
             </a:r>
           </a:p>
           <a:p>
-            <a:pPr algn="l"/>
-            <a:r>
-              <a:rPr lang="en-US" sz="2800" b="1" i="0" u="none" strike="noStrike" baseline="0" dirty="0">
+            <a:pPr algn="just"/>
+            <a:r>
+              <a:rPr lang="en-US" sz="3600" b="1" i="0" u="none" strike="noStrike" baseline="0" dirty="0">
                 <a:solidFill>
                   <a:srgbClr val="000000"/>
                 </a:solidFill>
@@ -20725,7 +20597,7 @@
               <a:t>Enforce policies and procedures:</a:t>
             </a:r>
             <a:r>
-              <a:rPr lang="en-US" sz="2400" b="1" i="0" u="none" strike="noStrike" baseline="0" dirty="0">
+              <a:rPr lang="en-US" sz="3200" b="1" i="0" u="none" strike="noStrike" baseline="0" dirty="0">
                 <a:solidFill>
                   <a:srgbClr val="000000"/>
                 </a:solidFill>
@@ -20734,7 +20606,7 @@
               <a:t> </a:t>
             </a:r>
             <a:r>
-              <a:rPr lang="en-US" sz="2400" b="0" i="0" u="none" strike="noStrike" baseline="0" dirty="0">
+              <a:rPr lang="en-US" sz="3200" b="0" i="0" u="none" strike="noStrike" baseline="0" dirty="0">
                 <a:solidFill>
                   <a:srgbClr val="000000"/>
                 </a:solidFill>
@@ -20742,10 +20614,11 @@
               </a:rPr>
               <a:t>The security of your organization starts with having a good security policy in place and requiring that the policies and procedures are known. Having strict policies and procedures for employees to follow can help protect against data loss and theft. For example, you should ensure that all employees have a pass code configured on their mobile devices. That way, if a device is lost or stolen, it is harder for someone to get access to the information on the device.</a:t>
             </a:r>
-            <a:endParaRPr lang="en-US" sz="2400" dirty="0"/>
-          </a:p>
-          <a:p>
-            <a:endParaRPr lang="en-US" dirty="0"/>
+            <a:endParaRPr lang="en-US" sz="3200" dirty="0"/>
+          </a:p>
+          <a:p>
+            <a:pPr algn="just"/>
+            <a:endParaRPr lang="en-US" sz="3600" dirty="0"/>
           </a:p>
         </p:txBody>
       </p:sp>
